--- a/programmez/images/vs-code-ui.pptx
+++ b/programmez/images/vs-code-ui.pptx
@@ -6,7 +6,8 @@
   </p:sldMasterIdLst>
   <p:sldIdLst>
     <p:sldId id="256" r:id="rId2"/>
-    <p:sldId id="257" r:id="rId3"/>
+    <p:sldId id="258" r:id="rId3"/>
+    <p:sldId id="257" r:id="rId4"/>
   </p:sldIdLst>
   <p:sldSz cx="12192000" cy="6858000"/>
   <p:notesSz cx="6858000" cy="9144000"/>
@@ -3359,10 +3360,10 @@
       </p:pic>
       <p:sp>
         <p:nvSpPr>
-          <p:cNvPr id="6" name="Rectangle 5">
-            <a:extLst>
-              <a:ext uri="{FF2B5EF4-FFF2-40B4-BE49-F238E27FC236}">
-                <a16:creationId xmlns:a16="http://schemas.microsoft.com/office/drawing/2014/main" id="{C91A4FE2-8EDF-E4B0-414B-2FE4DD848428}"/>
+          <p:cNvPr id="7" name="Rectangle 6">
+            <a:extLst>
+              <a:ext uri="{FF2B5EF4-FFF2-40B4-BE49-F238E27FC236}">
+                <a16:creationId xmlns:a16="http://schemas.microsoft.com/office/drawing/2014/main" id="{189BDD7E-CF32-8AE5-A7F9-9AA032D9E605}"/>
               </a:ext>
             </a:extLst>
           </p:cNvPr>
@@ -3371,8 +3372,8 @@
         </p:nvSpPr>
         <p:spPr>
           <a:xfrm>
-            <a:off x="1411357" y="482700"/>
-            <a:ext cx="413187" cy="5614259"/>
+            <a:off x="4023865" y="3780063"/>
+            <a:ext cx="4254657" cy="2302330"/>
           </a:xfrm>
           <a:prstGeom prst="rect">
             <a:avLst/>
@@ -3411,10 +3412,10 @@
       </p:sp>
       <p:sp>
         <p:nvSpPr>
-          <p:cNvPr id="7" name="Rectangle 6">
-            <a:extLst>
-              <a:ext uri="{FF2B5EF4-FFF2-40B4-BE49-F238E27FC236}">
-                <a16:creationId xmlns:a16="http://schemas.microsoft.com/office/drawing/2014/main" id="{189BDD7E-CF32-8AE5-A7F9-9AA032D9E605}"/>
+          <p:cNvPr id="8" name="Rectangle 7">
+            <a:extLst>
+              <a:ext uri="{FF2B5EF4-FFF2-40B4-BE49-F238E27FC236}">
+                <a16:creationId xmlns:a16="http://schemas.microsoft.com/office/drawing/2014/main" id="{7AFEEC49-EF5D-D7EB-B26A-EDA148946B33}"/>
               </a:ext>
             </a:extLst>
           </p:cNvPr>
@@ -3423,8 +3424,8 @@
         </p:nvSpPr>
         <p:spPr>
           <a:xfrm>
-            <a:off x="4023865" y="3780063"/>
-            <a:ext cx="4254657" cy="2302330"/>
+            <a:off x="1411357" y="6145887"/>
+            <a:ext cx="9479679" cy="278341"/>
           </a:xfrm>
           <a:prstGeom prst="rect">
             <a:avLst/>
@@ -3463,10 +3464,10 @@
       </p:sp>
       <p:sp>
         <p:nvSpPr>
-          <p:cNvPr id="8" name="Rectangle 7">
-            <a:extLst>
-              <a:ext uri="{FF2B5EF4-FFF2-40B4-BE49-F238E27FC236}">
-                <a16:creationId xmlns:a16="http://schemas.microsoft.com/office/drawing/2014/main" id="{7AFEEC49-EF5D-D7EB-B26A-EDA148946B33}"/>
+          <p:cNvPr id="9" name="Rectangle 8">
+            <a:extLst>
+              <a:ext uri="{FF2B5EF4-FFF2-40B4-BE49-F238E27FC236}">
+                <a16:creationId xmlns:a16="http://schemas.microsoft.com/office/drawing/2014/main" id="{32F762AC-26FD-71A7-FAC8-E23C1A1BAC85}"/>
               </a:ext>
             </a:extLst>
           </p:cNvPr>
@@ -3475,8 +3476,8 @@
         </p:nvSpPr>
         <p:spPr>
           <a:xfrm>
-            <a:off x="1411357" y="6145887"/>
-            <a:ext cx="9479679" cy="278341"/>
+            <a:off x="4023867" y="759278"/>
+            <a:ext cx="4254657" cy="2957291"/>
           </a:xfrm>
           <a:prstGeom prst="rect">
             <a:avLst/>
@@ -3515,10 +3516,10 @@
       </p:sp>
       <p:sp>
         <p:nvSpPr>
-          <p:cNvPr id="9" name="Rectangle 8">
-            <a:extLst>
-              <a:ext uri="{FF2B5EF4-FFF2-40B4-BE49-F238E27FC236}">
-                <a16:creationId xmlns:a16="http://schemas.microsoft.com/office/drawing/2014/main" id="{32F762AC-26FD-71A7-FAC8-E23C1A1BAC85}"/>
+          <p:cNvPr id="10" name="Rectangle 9">
+            <a:extLst>
+              <a:ext uri="{FF2B5EF4-FFF2-40B4-BE49-F238E27FC236}">
+                <a16:creationId xmlns:a16="http://schemas.microsoft.com/office/drawing/2014/main" id="{6ADF75C4-845A-659F-1D8B-F9F7E83C606F}"/>
               </a:ext>
             </a:extLst>
           </p:cNvPr>
@@ -3527,8 +3528,8 @@
         </p:nvSpPr>
         <p:spPr>
           <a:xfrm>
-            <a:off x="4023867" y="759278"/>
-            <a:ext cx="4254657" cy="2957291"/>
+            <a:off x="1934938" y="695784"/>
+            <a:ext cx="1978536" cy="5450103"/>
           </a:xfrm>
           <a:prstGeom prst="rect">
             <a:avLst/>
@@ -3567,10 +3568,10 @@
       </p:sp>
       <p:sp>
         <p:nvSpPr>
-          <p:cNvPr id="10" name="Rectangle 9">
-            <a:extLst>
-              <a:ext uri="{FF2B5EF4-FFF2-40B4-BE49-F238E27FC236}">
-                <a16:creationId xmlns:a16="http://schemas.microsoft.com/office/drawing/2014/main" id="{6ADF75C4-845A-659F-1D8B-F9F7E83C606F}"/>
+          <p:cNvPr id="11" name="Rectangle 10">
+            <a:extLst>
+              <a:ext uri="{FF2B5EF4-FFF2-40B4-BE49-F238E27FC236}">
+                <a16:creationId xmlns:a16="http://schemas.microsoft.com/office/drawing/2014/main" id="{9ED17BB0-EA1E-7BC7-DF7B-340B515635A7}"/>
               </a:ext>
             </a:extLst>
           </p:cNvPr>
@@ -3579,8 +3580,8 @@
         </p:nvSpPr>
         <p:spPr>
           <a:xfrm>
-            <a:off x="1934938" y="695784"/>
-            <a:ext cx="1978536" cy="5450103"/>
+            <a:off x="8388916" y="703948"/>
+            <a:ext cx="2391725" cy="5450103"/>
           </a:xfrm>
           <a:prstGeom prst="rect">
             <a:avLst/>
@@ -3619,10 +3620,515 @@
       </p:sp>
       <p:sp>
         <p:nvSpPr>
-          <p:cNvPr id="11" name="Rectangle 10">
-            <a:extLst>
-              <a:ext uri="{FF2B5EF4-FFF2-40B4-BE49-F238E27FC236}">
-                <a16:creationId xmlns:a16="http://schemas.microsoft.com/office/drawing/2014/main" id="{9ED17BB0-EA1E-7BC7-DF7B-340B515635A7}"/>
+          <p:cNvPr id="12" name="TextBox 11">
+            <a:extLst>
+              <a:ext uri="{FF2B5EF4-FFF2-40B4-BE49-F238E27FC236}">
+                <a16:creationId xmlns:a16="http://schemas.microsoft.com/office/drawing/2014/main" id="{50422825-53E3-4CE8-CD72-47C3C5A2CF28}"/>
+              </a:ext>
+            </a:extLst>
+          </p:cNvPr>
+          <p:cNvSpPr txBox="1"/>
+          <p:nvPr/>
+        </p:nvSpPr>
+        <p:spPr>
+          <a:xfrm>
+            <a:off x="198069" y="889908"/>
+            <a:ext cx="1182631" cy="646331"/>
+          </a:xfrm>
+          <a:prstGeom prst="rect">
+            <a:avLst/>
+          </a:prstGeom>
+          <a:noFill/>
+        </p:spPr>
+        <p:txBody>
+          <a:bodyPr wrap="none" rtlCol="0">
+            <a:spAutoFit/>
+          </a:bodyPr>
+          <a:lstStyle/>
+          <a:p>
+            <a:pPr algn="r"/>
+            <a:r>
+              <a:rPr lang="en-US" dirty="0">
+                <a:solidFill>
+                  <a:srgbClr val="FF0000"/>
+                </a:solidFill>
+                <a:latin typeface="Segoe UI" panose="020B0502040204020203" pitchFamily="34" charset="0"/>
+                <a:cs typeface="Segoe UI" panose="020B0502040204020203" pitchFamily="34" charset="0"/>
+              </a:rPr>
+              <a:t>Barre </a:t>
+            </a:r>
+          </a:p>
+          <a:p>
+            <a:pPr algn="r"/>
+            <a:r>
+              <a:rPr lang="en-US" dirty="0" err="1">
+                <a:solidFill>
+                  <a:srgbClr val="FF0000"/>
+                </a:solidFill>
+                <a:latin typeface="Segoe UI" panose="020B0502040204020203" pitchFamily="34" charset="0"/>
+                <a:cs typeface="Segoe UI" panose="020B0502040204020203" pitchFamily="34" charset="0"/>
+              </a:rPr>
+              <a:t>d’activités</a:t>
+            </a:r>
+            <a:endParaRPr lang="en-US" dirty="0">
+              <a:solidFill>
+                <a:srgbClr val="FF0000"/>
+              </a:solidFill>
+              <a:latin typeface="Segoe UI" panose="020B0502040204020203" pitchFamily="34" charset="0"/>
+              <a:cs typeface="Segoe UI" panose="020B0502040204020203" pitchFamily="34" charset="0"/>
+            </a:endParaRPr>
+          </a:p>
+        </p:txBody>
+      </p:sp>
+      <p:sp>
+        <p:nvSpPr>
+          <p:cNvPr id="13" name="TextBox 12">
+            <a:extLst>
+              <a:ext uri="{FF2B5EF4-FFF2-40B4-BE49-F238E27FC236}">
+                <a16:creationId xmlns:a16="http://schemas.microsoft.com/office/drawing/2014/main" id="{77BF453A-1C59-74AA-D0BC-AC37C60D3811}"/>
+              </a:ext>
+            </a:extLst>
+          </p:cNvPr>
+          <p:cNvSpPr txBox="1"/>
+          <p:nvPr/>
+        </p:nvSpPr>
+        <p:spPr>
+          <a:xfrm>
+            <a:off x="1380699" y="6487722"/>
+            <a:ext cx="9399941" cy="369332"/>
+          </a:xfrm>
+          <a:prstGeom prst="rect">
+            <a:avLst/>
+          </a:prstGeom>
+          <a:noFill/>
+        </p:spPr>
+        <p:txBody>
+          <a:bodyPr wrap="square" rtlCol="0">
+            <a:spAutoFit/>
+          </a:bodyPr>
+          <a:lstStyle/>
+          <a:p>
+            <a:pPr algn="ctr"/>
+            <a:r>
+              <a:rPr lang="en-US" dirty="0">
+                <a:solidFill>
+                  <a:srgbClr val="FF0000"/>
+                </a:solidFill>
+                <a:latin typeface="Segoe UI" panose="020B0502040204020203" pitchFamily="34" charset="0"/>
+                <a:cs typeface="Segoe UI" panose="020B0502040204020203" pitchFamily="34" charset="0"/>
+              </a:rPr>
+              <a:t>Barre de status</a:t>
+            </a:r>
+          </a:p>
+        </p:txBody>
+      </p:sp>
+      <p:sp>
+        <p:nvSpPr>
+          <p:cNvPr id="14" name="TextBox 13">
+            <a:extLst>
+              <a:ext uri="{FF2B5EF4-FFF2-40B4-BE49-F238E27FC236}">
+                <a16:creationId xmlns:a16="http://schemas.microsoft.com/office/drawing/2014/main" id="{365A8A14-006F-B280-FC8E-3D1067DE1464}"/>
+              </a:ext>
+            </a:extLst>
+          </p:cNvPr>
+          <p:cNvSpPr txBox="1"/>
+          <p:nvPr/>
+        </p:nvSpPr>
+        <p:spPr>
+          <a:xfrm>
+            <a:off x="1934935" y="5396508"/>
+            <a:ext cx="1754386" cy="369332"/>
+          </a:xfrm>
+          <a:prstGeom prst="rect">
+            <a:avLst/>
+          </a:prstGeom>
+          <a:noFill/>
+        </p:spPr>
+        <p:txBody>
+          <a:bodyPr wrap="square" rtlCol="0">
+            <a:spAutoFit/>
+          </a:bodyPr>
+          <a:lstStyle/>
+          <a:p>
+            <a:pPr algn="ctr"/>
+            <a:r>
+              <a:rPr lang="en-US" dirty="0">
+                <a:solidFill>
+                  <a:srgbClr val="FF0000"/>
+                </a:solidFill>
+                <a:latin typeface="Segoe UI" panose="020B0502040204020203" pitchFamily="34" charset="0"/>
+                <a:cs typeface="Segoe UI" panose="020B0502040204020203" pitchFamily="34" charset="0"/>
+              </a:rPr>
+              <a:t>Barre </a:t>
+            </a:r>
+            <a:r>
+              <a:rPr lang="en-US" dirty="0" err="1">
+                <a:solidFill>
+                  <a:srgbClr val="FF0000"/>
+                </a:solidFill>
+                <a:latin typeface="Segoe UI" panose="020B0502040204020203" pitchFamily="34" charset="0"/>
+                <a:cs typeface="Segoe UI" panose="020B0502040204020203" pitchFamily="34" charset="0"/>
+              </a:rPr>
+              <a:t>latérale</a:t>
+            </a:r>
+            <a:endParaRPr lang="en-US" dirty="0">
+              <a:solidFill>
+                <a:srgbClr val="FF0000"/>
+              </a:solidFill>
+              <a:latin typeface="Segoe UI" panose="020B0502040204020203" pitchFamily="34" charset="0"/>
+              <a:cs typeface="Segoe UI" panose="020B0502040204020203" pitchFamily="34" charset="0"/>
+            </a:endParaRPr>
+          </a:p>
+        </p:txBody>
+      </p:sp>
+      <p:sp>
+        <p:nvSpPr>
+          <p:cNvPr id="15" name="TextBox 14">
+            <a:extLst>
+              <a:ext uri="{FF2B5EF4-FFF2-40B4-BE49-F238E27FC236}">
+                <a16:creationId xmlns:a16="http://schemas.microsoft.com/office/drawing/2014/main" id="{472293FD-9870-FEF3-5A74-A5577EB28837}"/>
+              </a:ext>
+            </a:extLst>
+          </p:cNvPr>
+          <p:cNvSpPr txBox="1"/>
+          <p:nvPr/>
+        </p:nvSpPr>
+        <p:spPr>
+          <a:xfrm>
+            <a:off x="5274002" y="2760296"/>
+            <a:ext cx="1754386" cy="369332"/>
+          </a:xfrm>
+          <a:prstGeom prst="rect">
+            <a:avLst/>
+          </a:prstGeom>
+          <a:noFill/>
+        </p:spPr>
+        <p:txBody>
+          <a:bodyPr wrap="square" rtlCol="0">
+            <a:spAutoFit/>
+          </a:bodyPr>
+          <a:lstStyle/>
+          <a:p>
+            <a:pPr algn="ctr"/>
+            <a:r>
+              <a:rPr lang="en-US" dirty="0" err="1">
+                <a:solidFill>
+                  <a:srgbClr val="FF0000"/>
+                </a:solidFill>
+                <a:latin typeface="Segoe UI" panose="020B0502040204020203" pitchFamily="34" charset="0"/>
+                <a:cs typeface="Segoe UI" panose="020B0502040204020203" pitchFamily="34" charset="0"/>
+              </a:rPr>
+              <a:t>Editeur</a:t>
+            </a:r>
+            <a:endParaRPr lang="en-US" dirty="0">
+              <a:solidFill>
+                <a:srgbClr val="FF0000"/>
+              </a:solidFill>
+              <a:latin typeface="Segoe UI" panose="020B0502040204020203" pitchFamily="34" charset="0"/>
+              <a:cs typeface="Segoe UI" panose="020B0502040204020203" pitchFamily="34" charset="0"/>
+            </a:endParaRPr>
+          </a:p>
+        </p:txBody>
+      </p:sp>
+      <p:sp>
+        <p:nvSpPr>
+          <p:cNvPr id="16" name="TextBox 15">
+            <a:extLst>
+              <a:ext uri="{FF2B5EF4-FFF2-40B4-BE49-F238E27FC236}">
+                <a16:creationId xmlns:a16="http://schemas.microsoft.com/office/drawing/2014/main" id="{9BA9ABF9-BF3A-FA0B-7775-B9384A107782}"/>
+              </a:ext>
+            </a:extLst>
+          </p:cNvPr>
+          <p:cNvSpPr txBox="1"/>
+          <p:nvPr/>
+        </p:nvSpPr>
+        <p:spPr>
+          <a:xfrm>
+            <a:off x="5203476" y="5130646"/>
+            <a:ext cx="1754386" cy="369332"/>
+          </a:xfrm>
+          <a:prstGeom prst="rect">
+            <a:avLst/>
+          </a:prstGeom>
+          <a:noFill/>
+        </p:spPr>
+        <p:txBody>
+          <a:bodyPr wrap="square" rtlCol="0">
+            <a:spAutoFit/>
+          </a:bodyPr>
+          <a:lstStyle/>
+          <a:p>
+            <a:pPr algn="ctr"/>
+            <a:r>
+              <a:rPr lang="en-US" dirty="0" err="1">
+                <a:solidFill>
+                  <a:srgbClr val="FF0000"/>
+                </a:solidFill>
+                <a:latin typeface="Segoe UI" panose="020B0502040204020203" pitchFamily="34" charset="0"/>
+                <a:cs typeface="Segoe UI" panose="020B0502040204020203" pitchFamily="34" charset="0"/>
+              </a:rPr>
+              <a:t>Panneaux</a:t>
+            </a:r>
+            <a:endParaRPr lang="en-US" dirty="0">
+              <a:solidFill>
+                <a:srgbClr val="FF0000"/>
+              </a:solidFill>
+              <a:latin typeface="Segoe UI" panose="020B0502040204020203" pitchFamily="34" charset="0"/>
+              <a:cs typeface="Segoe UI" panose="020B0502040204020203" pitchFamily="34" charset="0"/>
+            </a:endParaRPr>
+          </a:p>
+        </p:txBody>
+      </p:sp>
+      <p:sp>
+        <p:nvSpPr>
+          <p:cNvPr id="17" name="TextBox 16">
+            <a:extLst>
+              <a:ext uri="{FF2B5EF4-FFF2-40B4-BE49-F238E27FC236}">
+                <a16:creationId xmlns:a16="http://schemas.microsoft.com/office/drawing/2014/main" id="{963B6E1E-A140-D1C2-9CBE-29F33584B7F8}"/>
+              </a:ext>
+            </a:extLst>
+          </p:cNvPr>
+          <p:cNvSpPr txBox="1"/>
+          <p:nvPr/>
+        </p:nvSpPr>
+        <p:spPr>
+          <a:xfrm>
+            <a:off x="8748703" y="3827315"/>
+            <a:ext cx="1754386" cy="369332"/>
+          </a:xfrm>
+          <a:prstGeom prst="rect">
+            <a:avLst/>
+          </a:prstGeom>
+          <a:noFill/>
+        </p:spPr>
+        <p:txBody>
+          <a:bodyPr wrap="square" rtlCol="0">
+            <a:spAutoFit/>
+          </a:bodyPr>
+          <a:lstStyle/>
+          <a:p>
+            <a:pPr algn="ctr"/>
+            <a:r>
+              <a:rPr lang="en-US" dirty="0">
+                <a:solidFill>
+                  <a:srgbClr val="FF0000"/>
+                </a:solidFill>
+                <a:latin typeface="Segoe UI" panose="020B0502040204020203" pitchFamily="34" charset="0"/>
+                <a:cs typeface="Segoe UI" panose="020B0502040204020203" pitchFamily="34" charset="0"/>
+              </a:rPr>
+              <a:t>Barre </a:t>
+            </a:r>
+            <a:r>
+              <a:rPr lang="en-US" dirty="0" err="1">
+                <a:solidFill>
+                  <a:srgbClr val="FF0000"/>
+                </a:solidFill>
+                <a:latin typeface="Segoe UI" panose="020B0502040204020203" pitchFamily="34" charset="0"/>
+                <a:cs typeface="Segoe UI" panose="020B0502040204020203" pitchFamily="34" charset="0"/>
+              </a:rPr>
+              <a:t>latérale</a:t>
+            </a:r>
+            <a:endParaRPr lang="en-US" dirty="0">
+              <a:solidFill>
+                <a:srgbClr val="FF0000"/>
+              </a:solidFill>
+              <a:latin typeface="Segoe UI" panose="020B0502040204020203" pitchFamily="34" charset="0"/>
+              <a:cs typeface="Segoe UI" panose="020B0502040204020203" pitchFamily="34" charset="0"/>
+            </a:endParaRPr>
+          </a:p>
+        </p:txBody>
+      </p:sp>
+      <p:grpSp>
+        <p:nvGrpSpPr>
+          <p:cNvPr id="4" name="Group 3">
+            <a:extLst>
+              <a:ext uri="{FF2B5EF4-FFF2-40B4-BE49-F238E27FC236}">
+                <a16:creationId xmlns:a16="http://schemas.microsoft.com/office/drawing/2014/main" id="{3EABBF60-0034-1C8C-BBEF-1904E2489E6F}"/>
+              </a:ext>
+            </a:extLst>
+          </p:cNvPr>
+          <p:cNvGrpSpPr/>
+          <p:nvPr/>
+        </p:nvGrpSpPr>
+        <p:grpSpPr>
+          <a:xfrm>
+            <a:off x="1433357" y="531627"/>
+            <a:ext cx="413188" cy="5614260"/>
+            <a:chOff x="3276133" y="-853720"/>
+            <a:chExt cx="413188" cy="5614260"/>
+          </a:xfrm>
+        </p:grpSpPr>
+        <p:sp>
+          <p:nvSpPr>
+            <p:cNvPr id="3" name="Rectangle 2">
+              <a:extLst>
+                <a:ext uri="{FF2B5EF4-FFF2-40B4-BE49-F238E27FC236}">
+                  <a16:creationId xmlns:a16="http://schemas.microsoft.com/office/drawing/2014/main" id="{01BC9212-761B-8CB6-7CE5-1240C47563FB}"/>
+                </a:ext>
+              </a:extLst>
+            </p:cNvPr>
+            <p:cNvSpPr/>
+            <p:nvPr/>
+          </p:nvSpPr>
+          <p:spPr>
+            <a:xfrm>
+              <a:off x="3276133" y="-853720"/>
+              <a:ext cx="413187" cy="5614259"/>
+            </a:xfrm>
+            <a:prstGeom prst="rect">
+              <a:avLst/>
+            </a:prstGeom>
+            <a:noFill/>
+            <a:ln w="57150">
+              <a:solidFill>
+                <a:schemeClr val="bg1"/>
+              </a:solidFill>
+            </a:ln>
+          </p:spPr>
+          <p:style>
+            <a:lnRef idx="2">
+              <a:schemeClr val="accent1">
+                <a:shade val="15000"/>
+              </a:schemeClr>
+            </a:lnRef>
+            <a:fillRef idx="1">
+              <a:schemeClr val="accent1"/>
+            </a:fillRef>
+            <a:effectRef idx="0">
+              <a:schemeClr val="accent1"/>
+            </a:effectRef>
+            <a:fontRef idx="minor">
+              <a:schemeClr val="lt1"/>
+            </a:fontRef>
+          </p:style>
+          <p:txBody>
+            <a:bodyPr rtlCol="0" anchor="ctr"/>
+            <a:lstStyle/>
+            <a:p>
+              <a:pPr algn="ctr"/>
+              <a:endParaRPr lang="en-US"/>
+            </a:p>
+          </p:txBody>
+        </p:sp>
+        <p:sp>
+          <p:nvSpPr>
+            <p:cNvPr id="2" name="Rectangle 1">
+              <a:extLst>
+                <a:ext uri="{FF2B5EF4-FFF2-40B4-BE49-F238E27FC236}">
+                  <a16:creationId xmlns:a16="http://schemas.microsoft.com/office/drawing/2014/main" id="{EE9D7621-4B10-6357-4871-F50129EAD949}"/>
+                </a:ext>
+              </a:extLst>
+            </p:cNvPr>
+            <p:cNvSpPr/>
+            <p:nvPr/>
+          </p:nvSpPr>
+          <p:spPr>
+            <a:xfrm>
+              <a:off x="3276134" y="-853719"/>
+              <a:ext cx="413187" cy="5614259"/>
+            </a:xfrm>
+            <a:prstGeom prst="rect">
+              <a:avLst/>
+            </a:prstGeom>
+            <a:noFill/>
+            <a:ln w="28575">
+              <a:solidFill>
+                <a:srgbClr val="FF0000"/>
+              </a:solidFill>
+            </a:ln>
+          </p:spPr>
+          <p:style>
+            <a:lnRef idx="2">
+              <a:schemeClr val="accent1">
+                <a:shade val="15000"/>
+              </a:schemeClr>
+            </a:lnRef>
+            <a:fillRef idx="1">
+              <a:schemeClr val="accent1"/>
+            </a:fillRef>
+            <a:effectRef idx="0">
+              <a:schemeClr val="accent1"/>
+            </a:effectRef>
+            <a:fontRef idx="minor">
+              <a:schemeClr val="lt1"/>
+            </a:fontRef>
+          </p:style>
+          <p:txBody>
+            <a:bodyPr rtlCol="0" anchor="ctr"/>
+            <a:lstStyle/>
+            <a:p>
+              <a:pPr algn="ctr"/>
+              <a:endParaRPr lang="en-US"/>
+            </a:p>
+          </p:txBody>
+        </p:sp>
+      </p:grpSp>
+    </p:spTree>
+    <p:extLst>
+      <p:ext uri="{BB962C8B-B14F-4D97-AF65-F5344CB8AC3E}">
+        <p14:creationId xmlns:p14="http://schemas.microsoft.com/office/powerpoint/2010/main" val="2562061332"/>
+      </p:ext>
+    </p:extLst>
+  </p:cSld>
+  <p:clrMapOvr>
+    <a:masterClrMapping/>
+  </p:clrMapOvr>
+</p:sld>
+</file>
+
+<file path=ppt/slides/slide2.xml><?xml version="1.0" encoding="utf-8"?>
+<p:sld xmlns:a="http://schemas.openxmlformats.org/drawingml/2006/main" xmlns:r="http://schemas.openxmlformats.org/officeDocument/2006/relationships" xmlns:p="http://schemas.openxmlformats.org/presentationml/2006/main">
+  <p:cSld>
+    <p:spTree>
+      <p:nvGrpSpPr>
+        <p:cNvPr id="1" name=""/>
+        <p:cNvGrpSpPr/>
+        <p:nvPr/>
+      </p:nvGrpSpPr>
+      <p:grpSpPr>
+        <a:xfrm>
+          <a:off x="0" y="0"/>
+          <a:ext cx="0" cy="0"/>
+          <a:chOff x="0" y="0"/>
+          <a:chExt cx="0" cy="0"/>
+        </a:xfrm>
+      </p:grpSpPr>
+      <p:pic>
+        <p:nvPicPr>
+          <p:cNvPr id="5" name="Picture 4">
+            <a:extLst>
+              <a:ext uri="{FF2B5EF4-FFF2-40B4-BE49-F238E27FC236}">
+                <a16:creationId xmlns:a16="http://schemas.microsoft.com/office/drawing/2014/main" id="{A6D1A125-187B-4F87-FCA9-0B7A3FDCB4EA}"/>
+              </a:ext>
+            </a:extLst>
+          </p:cNvPr>
+          <p:cNvPicPr>
+            <a:picLocks noChangeAspect="1"/>
+          </p:cNvPicPr>
+          <p:nvPr/>
+        </p:nvPicPr>
+        <p:blipFill>
+          <a:blip r:embed="rId2"/>
+          <a:stretch>
+            <a:fillRect/>
+          </a:stretch>
+        </p:blipFill>
+        <p:spPr>
+          <a:xfrm>
+            <a:off x="1411358" y="482700"/>
+            <a:ext cx="9369284" cy="5892600"/>
+          </a:xfrm>
+          <a:prstGeom prst="rect">
+            <a:avLst/>
+          </a:prstGeom>
+        </p:spPr>
+      </p:pic>
+      <p:sp>
+        <p:nvSpPr>
+          <p:cNvPr id="8" name="Rectangle 7">
+            <a:extLst>
+              <a:ext uri="{FF2B5EF4-FFF2-40B4-BE49-F238E27FC236}">
+                <a16:creationId xmlns:a16="http://schemas.microsoft.com/office/drawing/2014/main" id="{7AFEEC49-EF5D-D7EB-B26A-EDA148946B33}"/>
               </a:ext>
             </a:extLst>
           </p:cNvPr>
@@ -3631,8 +4137,8 @@
         </p:nvSpPr>
         <p:spPr>
           <a:xfrm>
-            <a:off x="8388916" y="703948"/>
-            <a:ext cx="2391725" cy="5450103"/>
+            <a:off x="1411357" y="6145887"/>
+            <a:ext cx="9479679" cy="278341"/>
           </a:xfrm>
           <a:prstGeom prst="rect">
             <a:avLst/>
@@ -3671,6 +4177,110 @@
       </p:sp>
       <p:sp>
         <p:nvSpPr>
+          <p:cNvPr id="10" name="Rectangle 9">
+            <a:extLst>
+              <a:ext uri="{FF2B5EF4-FFF2-40B4-BE49-F238E27FC236}">
+                <a16:creationId xmlns:a16="http://schemas.microsoft.com/office/drawing/2014/main" id="{6ADF75C4-845A-659F-1D8B-F9F7E83C606F}"/>
+              </a:ext>
+            </a:extLst>
+          </p:cNvPr>
+          <p:cNvSpPr/>
+          <p:nvPr/>
+        </p:nvSpPr>
+        <p:spPr>
+          <a:xfrm>
+            <a:off x="1934938" y="695784"/>
+            <a:ext cx="1978536" cy="5450103"/>
+          </a:xfrm>
+          <a:prstGeom prst="rect">
+            <a:avLst/>
+          </a:prstGeom>
+          <a:noFill/>
+          <a:ln w="38100">
+            <a:solidFill>
+              <a:srgbClr val="FF0000"/>
+            </a:solidFill>
+          </a:ln>
+        </p:spPr>
+        <p:style>
+          <a:lnRef idx="2">
+            <a:schemeClr val="accent1">
+              <a:shade val="15000"/>
+            </a:schemeClr>
+          </a:lnRef>
+          <a:fillRef idx="1">
+            <a:schemeClr val="accent1"/>
+          </a:fillRef>
+          <a:effectRef idx="0">
+            <a:schemeClr val="accent1"/>
+          </a:effectRef>
+          <a:fontRef idx="minor">
+            <a:schemeClr val="lt1"/>
+          </a:fontRef>
+        </p:style>
+        <p:txBody>
+          <a:bodyPr rtlCol="0" anchor="ctr"/>
+          <a:lstStyle/>
+          <a:p>
+            <a:pPr algn="ctr"/>
+            <a:endParaRPr lang="en-US"/>
+          </a:p>
+        </p:txBody>
+      </p:sp>
+      <p:sp>
+        <p:nvSpPr>
+          <p:cNvPr id="11" name="Rectangle 10">
+            <a:extLst>
+              <a:ext uri="{FF2B5EF4-FFF2-40B4-BE49-F238E27FC236}">
+                <a16:creationId xmlns:a16="http://schemas.microsoft.com/office/drawing/2014/main" id="{9ED17BB0-EA1E-7BC7-DF7B-340B515635A7}"/>
+              </a:ext>
+            </a:extLst>
+          </p:cNvPr>
+          <p:cNvSpPr/>
+          <p:nvPr/>
+        </p:nvSpPr>
+        <p:spPr>
+          <a:xfrm>
+            <a:off x="8388916" y="703948"/>
+            <a:ext cx="2391725" cy="5450103"/>
+          </a:xfrm>
+          <a:prstGeom prst="rect">
+            <a:avLst/>
+          </a:prstGeom>
+          <a:noFill/>
+          <a:ln w="38100">
+            <a:solidFill>
+              <a:srgbClr val="FF0000"/>
+            </a:solidFill>
+          </a:ln>
+        </p:spPr>
+        <p:style>
+          <a:lnRef idx="2">
+            <a:schemeClr val="accent1">
+              <a:shade val="15000"/>
+            </a:schemeClr>
+          </a:lnRef>
+          <a:fillRef idx="1">
+            <a:schemeClr val="accent1"/>
+          </a:fillRef>
+          <a:effectRef idx="0">
+            <a:schemeClr val="accent1"/>
+          </a:effectRef>
+          <a:fontRef idx="minor">
+            <a:schemeClr val="lt1"/>
+          </a:fontRef>
+        </p:style>
+        <p:txBody>
+          <a:bodyPr rtlCol="0" anchor="ctr"/>
+          <a:lstStyle/>
+          <a:p>
+            <a:pPr algn="ctr"/>
+            <a:endParaRPr lang="en-US"/>
+          </a:p>
+        </p:txBody>
+      </p:sp>
+      <p:sp>
+        <p:nvSpPr>
           <p:cNvPr id="12" name="TextBox 11">
             <a:extLst>
               <a:ext uri="{FF2B5EF4-FFF2-40B4-BE49-F238E27FC236}">
@@ -3989,10 +4599,385 @@
           </a:p>
         </p:txBody>
       </p:sp>
+      <p:grpSp>
+        <p:nvGrpSpPr>
+          <p:cNvPr id="4" name="Group 3">
+            <a:extLst>
+              <a:ext uri="{FF2B5EF4-FFF2-40B4-BE49-F238E27FC236}">
+                <a16:creationId xmlns:a16="http://schemas.microsoft.com/office/drawing/2014/main" id="{3EABBF60-0034-1C8C-BBEF-1904E2489E6F}"/>
+              </a:ext>
+            </a:extLst>
+          </p:cNvPr>
+          <p:cNvGrpSpPr/>
+          <p:nvPr/>
+        </p:nvGrpSpPr>
+        <p:grpSpPr>
+          <a:xfrm>
+            <a:off x="1433357" y="531627"/>
+            <a:ext cx="413188" cy="5614260"/>
+            <a:chOff x="3276133" y="-853720"/>
+            <a:chExt cx="413188" cy="5614260"/>
+          </a:xfrm>
+        </p:grpSpPr>
+        <p:sp>
+          <p:nvSpPr>
+            <p:cNvPr id="3" name="Rectangle 2">
+              <a:extLst>
+                <a:ext uri="{FF2B5EF4-FFF2-40B4-BE49-F238E27FC236}">
+                  <a16:creationId xmlns:a16="http://schemas.microsoft.com/office/drawing/2014/main" id="{01BC9212-761B-8CB6-7CE5-1240C47563FB}"/>
+                </a:ext>
+              </a:extLst>
+            </p:cNvPr>
+            <p:cNvSpPr/>
+            <p:nvPr/>
+          </p:nvSpPr>
+          <p:spPr>
+            <a:xfrm>
+              <a:off x="3276133" y="-853720"/>
+              <a:ext cx="413187" cy="5614259"/>
+            </a:xfrm>
+            <a:prstGeom prst="rect">
+              <a:avLst/>
+            </a:prstGeom>
+            <a:noFill/>
+            <a:ln w="57150">
+              <a:solidFill>
+                <a:schemeClr val="bg1"/>
+              </a:solidFill>
+            </a:ln>
+          </p:spPr>
+          <p:style>
+            <a:lnRef idx="2">
+              <a:schemeClr val="accent1">
+                <a:shade val="15000"/>
+              </a:schemeClr>
+            </a:lnRef>
+            <a:fillRef idx="1">
+              <a:schemeClr val="accent1"/>
+            </a:fillRef>
+            <a:effectRef idx="0">
+              <a:schemeClr val="accent1"/>
+            </a:effectRef>
+            <a:fontRef idx="minor">
+              <a:schemeClr val="lt1"/>
+            </a:fontRef>
+          </p:style>
+          <p:txBody>
+            <a:bodyPr rtlCol="0" anchor="ctr"/>
+            <a:lstStyle/>
+            <a:p>
+              <a:pPr algn="ctr"/>
+              <a:endParaRPr lang="en-US"/>
+            </a:p>
+          </p:txBody>
+        </p:sp>
+        <p:sp>
+          <p:nvSpPr>
+            <p:cNvPr id="2" name="Rectangle 1">
+              <a:extLst>
+                <a:ext uri="{FF2B5EF4-FFF2-40B4-BE49-F238E27FC236}">
+                  <a16:creationId xmlns:a16="http://schemas.microsoft.com/office/drawing/2014/main" id="{EE9D7621-4B10-6357-4871-F50129EAD949}"/>
+                </a:ext>
+              </a:extLst>
+            </p:cNvPr>
+            <p:cNvSpPr/>
+            <p:nvPr/>
+          </p:nvSpPr>
+          <p:spPr>
+            <a:xfrm>
+              <a:off x="3276134" y="-853719"/>
+              <a:ext cx="413187" cy="5614259"/>
+            </a:xfrm>
+            <a:prstGeom prst="rect">
+              <a:avLst/>
+            </a:prstGeom>
+            <a:noFill/>
+            <a:ln w="19050">
+              <a:solidFill>
+                <a:srgbClr val="FF0000"/>
+              </a:solidFill>
+            </a:ln>
+          </p:spPr>
+          <p:style>
+            <a:lnRef idx="2">
+              <a:schemeClr val="accent1">
+                <a:shade val="15000"/>
+              </a:schemeClr>
+            </a:lnRef>
+            <a:fillRef idx="1">
+              <a:schemeClr val="accent1"/>
+            </a:fillRef>
+            <a:effectRef idx="0">
+              <a:schemeClr val="accent1"/>
+            </a:effectRef>
+            <a:fontRef idx="minor">
+              <a:schemeClr val="lt1"/>
+            </a:fontRef>
+          </p:style>
+          <p:txBody>
+            <a:bodyPr rtlCol="0" anchor="ctr"/>
+            <a:lstStyle/>
+            <a:p>
+              <a:pPr algn="ctr"/>
+              <a:endParaRPr lang="en-US"/>
+            </a:p>
+          </p:txBody>
+        </p:sp>
+      </p:grpSp>
+      <p:grpSp>
+        <p:nvGrpSpPr>
+          <p:cNvPr id="6" name="Group 5">
+            <a:extLst>
+              <a:ext uri="{FF2B5EF4-FFF2-40B4-BE49-F238E27FC236}">
+                <a16:creationId xmlns:a16="http://schemas.microsoft.com/office/drawing/2014/main" id="{517620B1-724C-95CB-7F50-105CBA36778D}"/>
+              </a:ext>
+            </a:extLst>
+          </p:cNvPr>
+          <p:cNvGrpSpPr/>
+          <p:nvPr/>
+        </p:nvGrpSpPr>
+        <p:grpSpPr>
+          <a:xfrm>
+            <a:off x="4001867" y="695784"/>
+            <a:ext cx="4254656" cy="2941938"/>
+            <a:chOff x="3276133" y="-853720"/>
+            <a:chExt cx="413188" cy="5614260"/>
+          </a:xfrm>
+        </p:grpSpPr>
+        <p:sp>
+          <p:nvSpPr>
+            <p:cNvPr id="18" name="Rectangle 17">
+              <a:extLst>
+                <a:ext uri="{FF2B5EF4-FFF2-40B4-BE49-F238E27FC236}">
+                  <a16:creationId xmlns:a16="http://schemas.microsoft.com/office/drawing/2014/main" id="{0ACB39EC-D8D4-0600-0C70-6BC82D9AECA3}"/>
+                </a:ext>
+              </a:extLst>
+            </p:cNvPr>
+            <p:cNvSpPr/>
+            <p:nvPr/>
+          </p:nvSpPr>
+          <p:spPr>
+            <a:xfrm>
+              <a:off x="3276133" y="-853720"/>
+              <a:ext cx="413187" cy="5614259"/>
+            </a:xfrm>
+            <a:prstGeom prst="rect">
+              <a:avLst/>
+            </a:prstGeom>
+            <a:noFill/>
+            <a:ln w="57150">
+              <a:solidFill>
+                <a:schemeClr val="bg1"/>
+              </a:solidFill>
+            </a:ln>
+          </p:spPr>
+          <p:style>
+            <a:lnRef idx="2">
+              <a:schemeClr val="accent1">
+                <a:shade val="15000"/>
+              </a:schemeClr>
+            </a:lnRef>
+            <a:fillRef idx="1">
+              <a:schemeClr val="accent1"/>
+            </a:fillRef>
+            <a:effectRef idx="0">
+              <a:schemeClr val="accent1"/>
+            </a:effectRef>
+            <a:fontRef idx="minor">
+              <a:schemeClr val="lt1"/>
+            </a:fontRef>
+          </p:style>
+          <p:txBody>
+            <a:bodyPr rtlCol="0" anchor="ctr"/>
+            <a:lstStyle/>
+            <a:p>
+              <a:pPr algn="ctr"/>
+              <a:endParaRPr lang="en-US"/>
+            </a:p>
+          </p:txBody>
+        </p:sp>
+        <p:sp>
+          <p:nvSpPr>
+            <p:cNvPr id="19" name="Rectangle 18">
+              <a:extLst>
+                <a:ext uri="{FF2B5EF4-FFF2-40B4-BE49-F238E27FC236}">
+                  <a16:creationId xmlns:a16="http://schemas.microsoft.com/office/drawing/2014/main" id="{448631B6-18CF-7952-3416-A8921120E454}"/>
+                </a:ext>
+              </a:extLst>
+            </p:cNvPr>
+            <p:cNvSpPr/>
+            <p:nvPr/>
+          </p:nvSpPr>
+          <p:spPr>
+            <a:xfrm>
+              <a:off x="3276134" y="-853719"/>
+              <a:ext cx="413187" cy="5614259"/>
+            </a:xfrm>
+            <a:prstGeom prst="rect">
+              <a:avLst/>
+            </a:prstGeom>
+            <a:noFill/>
+            <a:ln w="19050">
+              <a:solidFill>
+                <a:srgbClr val="FF0000"/>
+              </a:solidFill>
+            </a:ln>
+          </p:spPr>
+          <p:style>
+            <a:lnRef idx="2">
+              <a:schemeClr val="accent1">
+                <a:shade val="15000"/>
+              </a:schemeClr>
+            </a:lnRef>
+            <a:fillRef idx="1">
+              <a:schemeClr val="accent1"/>
+            </a:fillRef>
+            <a:effectRef idx="0">
+              <a:schemeClr val="accent1"/>
+            </a:effectRef>
+            <a:fontRef idx="minor">
+              <a:schemeClr val="lt1"/>
+            </a:fontRef>
+          </p:style>
+          <p:txBody>
+            <a:bodyPr rtlCol="0" anchor="ctr"/>
+            <a:lstStyle/>
+            <a:p>
+              <a:pPr algn="ctr"/>
+              <a:endParaRPr lang="en-US" dirty="0"/>
+            </a:p>
+          </p:txBody>
+        </p:sp>
+      </p:grpSp>
+      <p:grpSp>
+        <p:nvGrpSpPr>
+          <p:cNvPr id="20" name="Group 19">
+            <a:extLst>
+              <a:ext uri="{FF2B5EF4-FFF2-40B4-BE49-F238E27FC236}">
+                <a16:creationId xmlns:a16="http://schemas.microsoft.com/office/drawing/2014/main" id="{B747D442-39CF-61E6-6037-3780BE7EA4C8}"/>
+              </a:ext>
+            </a:extLst>
+          </p:cNvPr>
+          <p:cNvGrpSpPr/>
+          <p:nvPr/>
+        </p:nvGrpSpPr>
+        <p:grpSpPr>
+          <a:xfrm>
+            <a:off x="4023867" y="3850804"/>
+            <a:ext cx="4254656" cy="2105059"/>
+            <a:chOff x="3276133" y="-853720"/>
+            <a:chExt cx="413188" cy="5614260"/>
+          </a:xfrm>
+        </p:grpSpPr>
+        <p:sp>
+          <p:nvSpPr>
+            <p:cNvPr id="21" name="Rectangle 20">
+              <a:extLst>
+                <a:ext uri="{FF2B5EF4-FFF2-40B4-BE49-F238E27FC236}">
+                  <a16:creationId xmlns:a16="http://schemas.microsoft.com/office/drawing/2014/main" id="{C1FF7AD3-2A3F-3597-3F71-85D7AABEFA37}"/>
+                </a:ext>
+              </a:extLst>
+            </p:cNvPr>
+            <p:cNvSpPr/>
+            <p:nvPr/>
+          </p:nvSpPr>
+          <p:spPr>
+            <a:xfrm>
+              <a:off x="3276133" y="-853720"/>
+              <a:ext cx="413187" cy="5614259"/>
+            </a:xfrm>
+            <a:prstGeom prst="rect">
+              <a:avLst/>
+            </a:prstGeom>
+            <a:noFill/>
+            <a:ln w="57150">
+              <a:solidFill>
+                <a:schemeClr val="bg1"/>
+              </a:solidFill>
+            </a:ln>
+          </p:spPr>
+          <p:style>
+            <a:lnRef idx="2">
+              <a:schemeClr val="accent1">
+                <a:shade val="15000"/>
+              </a:schemeClr>
+            </a:lnRef>
+            <a:fillRef idx="1">
+              <a:schemeClr val="accent1"/>
+            </a:fillRef>
+            <a:effectRef idx="0">
+              <a:schemeClr val="accent1"/>
+            </a:effectRef>
+            <a:fontRef idx="minor">
+              <a:schemeClr val="lt1"/>
+            </a:fontRef>
+          </p:style>
+          <p:txBody>
+            <a:bodyPr rtlCol="0" anchor="ctr"/>
+            <a:lstStyle/>
+            <a:p>
+              <a:pPr algn="ctr"/>
+              <a:endParaRPr lang="en-US"/>
+            </a:p>
+          </p:txBody>
+        </p:sp>
+        <p:sp>
+          <p:nvSpPr>
+            <p:cNvPr id="22" name="Rectangle 21">
+              <a:extLst>
+                <a:ext uri="{FF2B5EF4-FFF2-40B4-BE49-F238E27FC236}">
+                  <a16:creationId xmlns:a16="http://schemas.microsoft.com/office/drawing/2014/main" id="{65BDFF5F-B5AA-0AA0-D557-D5630BF9C41F}"/>
+                </a:ext>
+              </a:extLst>
+            </p:cNvPr>
+            <p:cNvSpPr/>
+            <p:nvPr/>
+          </p:nvSpPr>
+          <p:spPr>
+            <a:xfrm>
+              <a:off x="3276134" y="-853719"/>
+              <a:ext cx="413187" cy="5614259"/>
+            </a:xfrm>
+            <a:prstGeom prst="rect">
+              <a:avLst/>
+            </a:prstGeom>
+            <a:noFill/>
+            <a:ln w="28575">
+              <a:solidFill>
+                <a:srgbClr val="FF0000"/>
+              </a:solidFill>
+            </a:ln>
+          </p:spPr>
+          <p:style>
+            <a:lnRef idx="2">
+              <a:schemeClr val="accent1">
+                <a:shade val="15000"/>
+              </a:schemeClr>
+            </a:lnRef>
+            <a:fillRef idx="1">
+              <a:schemeClr val="accent1"/>
+            </a:fillRef>
+            <a:effectRef idx="0">
+              <a:schemeClr val="accent1"/>
+            </a:effectRef>
+            <a:fontRef idx="minor">
+              <a:schemeClr val="lt1"/>
+            </a:fontRef>
+          </p:style>
+          <p:txBody>
+            <a:bodyPr rtlCol="0" anchor="ctr"/>
+            <a:lstStyle/>
+            <a:p>
+              <a:pPr algn="ctr"/>
+              <a:endParaRPr lang="en-US"/>
+            </a:p>
+          </p:txBody>
+        </p:sp>
+      </p:grpSp>
     </p:spTree>
     <p:extLst>
       <p:ext uri="{BB962C8B-B14F-4D97-AF65-F5344CB8AC3E}">
-        <p14:creationId xmlns:p14="http://schemas.microsoft.com/office/powerpoint/2010/main" val="2562061332"/>
+        <p14:creationId xmlns:p14="http://schemas.microsoft.com/office/powerpoint/2010/main" val="1072742465"/>
       </p:ext>
     </p:extLst>
   </p:cSld>
@@ -4002,7 +4987,7 @@
 </p:sld>
 </file>
 
-<file path=ppt/slides/slide2.xml><?xml version="1.0" encoding="utf-8"?>
+<file path=ppt/slides/slide3.xml><?xml version="1.0" encoding="utf-8"?>
 <p:sld xmlns:a="http://schemas.openxmlformats.org/drawingml/2006/main" xmlns:r="http://schemas.openxmlformats.org/officeDocument/2006/relationships" xmlns:p="http://schemas.openxmlformats.org/presentationml/2006/main">
   <p:cSld>
     <p:spTree>

--- a/programmez/images/vs-code-ui.pptx
+++ b/programmez/images/vs-code-ui.pptx
@@ -261,7 +261,7 @@
           <a:p>
             <a:fld id="{0F3C7E6A-CFFC-4831-AE2C-B16130554B5D}" type="datetimeFigureOut">
               <a:rPr lang="en-US" smtClean="0"/>
-              <a:t>10/5/2023</a:t>
+              <a:t>10/5/23</a:t>
             </a:fld>
             <a:endParaRPr lang="en-US"/>
           </a:p>
@@ -459,7 +459,7 @@
           <a:p>
             <a:fld id="{0F3C7E6A-CFFC-4831-AE2C-B16130554B5D}" type="datetimeFigureOut">
               <a:rPr lang="en-US" smtClean="0"/>
-              <a:t>10/5/2023</a:t>
+              <a:t>10/5/23</a:t>
             </a:fld>
             <a:endParaRPr lang="en-US"/>
           </a:p>
@@ -667,7 +667,7 @@
           <a:p>
             <a:fld id="{0F3C7E6A-CFFC-4831-AE2C-B16130554B5D}" type="datetimeFigureOut">
               <a:rPr lang="en-US" smtClean="0"/>
-              <a:t>10/5/2023</a:t>
+              <a:t>10/5/23</a:t>
             </a:fld>
             <a:endParaRPr lang="en-US"/>
           </a:p>
@@ -865,7 +865,7 @@
           <a:p>
             <a:fld id="{0F3C7E6A-CFFC-4831-AE2C-B16130554B5D}" type="datetimeFigureOut">
               <a:rPr lang="en-US" smtClean="0"/>
-              <a:t>10/5/2023</a:t>
+              <a:t>10/5/23</a:t>
             </a:fld>
             <a:endParaRPr lang="en-US"/>
           </a:p>
@@ -1140,7 +1140,7 @@
           <a:p>
             <a:fld id="{0F3C7E6A-CFFC-4831-AE2C-B16130554B5D}" type="datetimeFigureOut">
               <a:rPr lang="en-US" smtClean="0"/>
-              <a:t>10/5/2023</a:t>
+              <a:t>10/5/23</a:t>
             </a:fld>
             <a:endParaRPr lang="en-US"/>
           </a:p>
@@ -1405,7 +1405,7 @@
           <a:p>
             <a:fld id="{0F3C7E6A-CFFC-4831-AE2C-B16130554B5D}" type="datetimeFigureOut">
               <a:rPr lang="en-US" smtClean="0"/>
-              <a:t>10/5/2023</a:t>
+              <a:t>10/5/23</a:t>
             </a:fld>
             <a:endParaRPr lang="en-US"/>
           </a:p>
@@ -1817,7 +1817,7 @@
           <a:p>
             <a:fld id="{0F3C7E6A-CFFC-4831-AE2C-B16130554B5D}" type="datetimeFigureOut">
               <a:rPr lang="en-US" smtClean="0"/>
-              <a:t>10/5/2023</a:t>
+              <a:t>10/5/23</a:t>
             </a:fld>
             <a:endParaRPr lang="en-US"/>
           </a:p>
@@ -1958,7 +1958,7 @@
           <a:p>
             <a:fld id="{0F3C7E6A-CFFC-4831-AE2C-B16130554B5D}" type="datetimeFigureOut">
               <a:rPr lang="en-US" smtClean="0"/>
-              <a:t>10/5/2023</a:t>
+              <a:t>10/5/23</a:t>
             </a:fld>
             <a:endParaRPr lang="en-US"/>
           </a:p>
@@ -2071,7 +2071,7 @@
           <a:p>
             <a:fld id="{0F3C7E6A-CFFC-4831-AE2C-B16130554B5D}" type="datetimeFigureOut">
               <a:rPr lang="en-US" smtClean="0"/>
-              <a:t>10/5/2023</a:t>
+              <a:t>10/5/23</a:t>
             </a:fld>
             <a:endParaRPr lang="en-US"/>
           </a:p>
@@ -2382,7 +2382,7 @@
           <a:p>
             <a:fld id="{0F3C7E6A-CFFC-4831-AE2C-B16130554B5D}" type="datetimeFigureOut">
               <a:rPr lang="en-US" smtClean="0"/>
-              <a:t>10/5/2023</a:t>
+              <a:t>10/5/23</a:t>
             </a:fld>
             <a:endParaRPr lang="en-US"/>
           </a:p>
@@ -2670,7 +2670,7 @@
           <a:p>
             <a:fld id="{0F3C7E6A-CFFC-4831-AE2C-B16130554B5D}" type="datetimeFigureOut">
               <a:rPr lang="en-US" smtClean="0"/>
-              <a:t>10/5/2023</a:t>
+              <a:t>10/5/23</a:t>
             </a:fld>
             <a:endParaRPr lang="en-US"/>
           </a:p>
@@ -2911,7 +2911,7 @@
           <a:p>
             <a:fld id="{0F3C7E6A-CFFC-4831-AE2C-B16130554B5D}" type="datetimeFigureOut">
               <a:rPr lang="en-US" smtClean="0"/>
-              <a:t>10/5/2023</a:t>
+              <a:t>10/5/23</a:t>
             </a:fld>
             <a:endParaRPr lang="en-US"/>
           </a:p>
@@ -3717,7 +3717,7 @@
                 <a:latin typeface="Segoe UI" panose="020B0502040204020203" pitchFamily="34" charset="0"/>
                 <a:cs typeface="Segoe UI" panose="020B0502040204020203" pitchFamily="34" charset="0"/>
               </a:rPr>
-              <a:t>Barre de status</a:t>
+              <a:t>Barre d’état</a:t>
             </a:r>
           </a:p>
         </p:txBody>
